--- a/blazor/blazor.pptx
+++ b/blazor/blazor.pptx
@@ -6,6 +6,7 @@
   </p:sldMasterIdLst>
   <p:sldIdLst>
     <p:sldId id="256" r:id="rId2"/>
+    <p:sldId id="257" r:id="rId3"/>
   </p:sldIdLst>
   <p:sldSz cx="12192000" cy="6858000"/>
   <p:notesSz cx="6858000" cy="9144000"/>
@@ -104,6 +105,11 @@
       </a:defRPr>
     </a:lvl9pPr>
   </p:defaultTextStyle>
+  <p:extLst>
+    <p:ext uri="{EFAFB233-063F-42B5-8137-9DF3F51BA10A}">
+      <p15:sldGuideLst xmlns:p15="http://schemas.microsoft.com/office/powerpoint/2012/main"/>
+    </p:ext>
+  </p:extLst>
 </p:presentation>
 </file>
 
@@ -3676,6 +3682,170 @@
 </p:sld>
 </file>
 
+<file path=ppt/slides/slide2.xml><?xml version="1.0" encoding="utf-8"?>
+<p:sld xmlns:a="http://schemas.openxmlformats.org/drawingml/2006/main" xmlns:r="http://schemas.openxmlformats.org/officeDocument/2006/relationships" xmlns:p="http://schemas.openxmlformats.org/presentationml/2006/main">
+  <p:cSld>
+    <p:spTree>
+      <p:nvGrpSpPr>
+        <p:cNvPr id="1" name=""/>
+        <p:cNvGrpSpPr/>
+        <p:nvPr/>
+      </p:nvGrpSpPr>
+      <p:grpSpPr>
+        <a:xfrm>
+          <a:off x="0" y="0"/>
+          <a:ext cx="0" cy="0"/>
+          <a:chOff x="0" y="0"/>
+          <a:chExt cx="0" cy="0"/>
+        </a:xfrm>
+      </p:grpSpPr>
+      <p:pic>
+        <p:nvPicPr>
+          <p:cNvPr id="4" name="Bildobjekt 3">
+            <a:extLst>
+              <a:ext uri="{FF2B5EF4-FFF2-40B4-BE49-F238E27FC236}">
+                <a16:creationId xmlns:a16="http://schemas.microsoft.com/office/drawing/2014/main" id="{42CB0C65-74E4-4597-A3A5-95451DAB938F}"/>
+              </a:ext>
+            </a:extLst>
+          </p:cNvPr>
+          <p:cNvPicPr>
+            <a:picLocks noChangeAspect="1"/>
+          </p:cNvPicPr>
+          <p:nvPr/>
+        </p:nvPicPr>
+        <p:blipFill>
+          <a:blip r:embed="rId2"/>
+          <a:stretch>
+            <a:fillRect/>
+          </a:stretch>
+        </p:blipFill>
+        <p:spPr>
+          <a:xfrm>
+            <a:off x="2828925" y="1251984"/>
+            <a:ext cx="4444156" cy="4962108"/>
+          </a:xfrm>
+          <a:prstGeom prst="rect">
+            <a:avLst/>
+          </a:prstGeom>
+        </p:spPr>
+      </p:pic>
+      <p:sp>
+        <p:nvSpPr>
+          <p:cNvPr id="5" name="Rektangel 4">
+            <a:extLst>
+              <a:ext uri="{FF2B5EF4-FFF2-40B4-BE49-F238E27FC236}">
+                <a16:creationId xmlns:a16="http://schemas.microsoft.com/office/drawing/2014/main" id="{DB435930-4EC3-4DB7-B7A6-FFF053994920}"/>
+              </a:ext>
+            </a:extLst>
+          </p:cNvPr>
+          <p:cNvSpPr/>
+          <p:nvPr/>
+        </p:nvSpPr>
+        <p:spPr>
+          <a:xfrm>
+            <a:off x="2876550" y="3905250"/>
+            <a:ext cx="1476375" cy="333375"/>
+          </a:xfrm>
+          <a:prstGeom prst="rect">
+            <a:avLst/>
+          </a:prstGeom>
+          <a:noFill/>
+          <a:ln w="25400">
+            <a:solidFill>
+              <a:srgbClr val="FF0000"/>
+            </a:solidFill>
+          </a:ln>
+        </p:spPr>
+        <p:style>
+          <a:lnRef idx="2">
+            <a:schemeClr val="accent1">
+              <a:shade val="50000"/>
+            </a:schemeClr>
+          </a:lnRef>
+          <a:fillRef idx="1">
+            <a:schemeClr val="accent1"/>
+          </a:fillRef>
+          <a:effectRef idx="0">
+            <a:schemeClr val="accent1"/>
+          </a:effectRef>
+          <a:fontRef idx="minor">
+            <a:schemeClr val="lt1"/>
+          </a:fontRef>
+        </p:style>
+        <p:txBody>
+          <a:bodyPr rtlCol="0" anchor="ctr"/>
+          <a:lstStyle/>
+          <a:p>
+            <a:pPr algn="ctr"/>
+            <a:endParaRPr lang="sv-SE" dirty="0"/>
+          </a:p>
+        </p:txBody>
+      </p:sp>
+      <p:sp>
+        <p:nvSpPr>
+          <p:cNvPr id="7" name="Rektangel 6">
+            <a:extLst>
+              <a:ext uri="{FF2B5EF4-FFF2-40B4-BE49-F238E27FC236}">
+                <a16:creationId xmlns:a16="http://schemas.microsoft.com/office/drawing/2014/main" id="{1FD453B3-AECB-4080-BDCD-6A79B84C1E25}"/>
+              </a:ext>
+            </a:extLst>
+          </p:cNvPr>
+          <p:cNvSpPr/>
+          <p:nvPr/>
+        </p:nvSpPr>
+        <p:spPr>
+          <a:xfrm>
+            <a:off x="4752975" y="1714500"/>
+            <a:ext cx="1695450" cy="361950"/>
+          </a:xfrm>
+          <a:prstGeom prst="rect">
+            <a:avLst/>
+          </a:prstGeom>
+          <a:noFill/>
+          <a:ln w="25400">
+            <a:solidFill>
+              <a:srgbClr val="FF0000"/>
+            </a:solidFill>
+          </a:ln>
+        </p:spPr>
+        <p:style>
+          <a:lnRef idx="2">
+            <a:schemeClr val="accent1">
+              <a:shade val="50000"/>
+            </a:schemeClr>
+          </a:lnRef>
+          <a:fillRef idx="1">
+            <a:schemeClr val="accent1"/>
+          </a:fillRef>
+          <a:effectRef idx="0">
+            <a:schemeClr val="accent1"/>
+          </a:effectRef>
+          <a:fontRef idx="minor">
+            <a:schemeClr val="lt1"/>
+          </a:fontRef>
+        </p:style>
+        <p:txBody>
+          <a:bodyPr rtlCol="0" anchor="ctr"/>
+          <a:lstStyle/>
+          <a:p>
+            <a:pPr algn="ctr"/>
+            <a:endParaRPr lang="sv-SE" dirty="0"/>
+          </a:p>
+        </p:txBody>
+      </p:sp>
+    </p:spTree>
+    <p:extLst>
+      <p:ext uri="{BB962C8B-B14F-4D97-AF65-F5344CB8AC3E}">
+        <p14:creationId xmlns:p14="http://schemas.microsoft.com/office/powerpoint/2010/main" val="2029734949"/>
+      </p:ext>
+    </p:extLst>
+  </p:cSld>
+  <p:clrMapOvr>
+    <a:masterClrMapping/>
+  </p:clrMapOvr>
+</p:sld>
+</file>
+
 <file path=ppt/theme/theme1.xml><?xml version="1.0" encoding="utf-8"?>
 <a:theme xmlns:a="http://schemas.openxmlformats.org/drawingml/2006/main" name="Office-tema">
   <a:themeElements>

--- a/blazor/blazor.pptx
+++ b/blazor/blazor.pptx
@@ -7,6 +7,7 @@
   <p:sldIdLst>
     <p:sldId id="256" r:id="rId2"/>
     <p:sldId id="257" r:id="rId3"/>
+    <p:sldId id="258" r:id="rId4"/>
   </p:sldIdLst>
   <p:sldSz cx="12192000" cy="6858000"/>
   <p:notesSz cx="6858000" cy="9144000"/>
@@ -3721,7 +3722,7 @@
         </p:blipFill>
         <p:spPr>
           <a:xfrm>
-            <a:off x="2828925" y="1251984"/>
+            <a:off x="352425" y="204234"/>
             <a:ext cx="4444156" cy="4962108"/>
           </a:xfrm>
           <a:prstGeom prst="rect">
@@ -3743,7 +3744,7 @@
         </p:nvSpPr>
         <p:spPr>
           <a:xfrm>
-            <a:off x="2876550" y="3905250"/>
+            <a:off x="400050" y="2857500"/>
             <a:ext cx="1476375" cy="333375"/>
           </a:xfrm>
           <a:prstGeom prst="rect">
@@ -3795,7 +3796,7 @@
         </p:nvSpPr>
         <p:spPr>
           <a:xfrm>
-            <a:off x="4752975" y="1714500"/>
+            <a:off x="2276475" y="666750"/>
             <a:ext cx="1695450" cy="361950"/>
           </a:xfrm>
           <a:prstGeom prst="rect">
@@ -3833,10 +3834,151 @@
           </a:p>
         </p:txBody>
       </p:sp>
+      <p:pic>
+        <p:nvPicPr>
+          <p:cNvPr id="8" name="Bildobjekt 7">
+            <a:extLst>
+              <a:ext uri="{FF2B5EF4-FFF2-40B4-BE49-F238E27FC236}">
+                <a16:creationId xmlns:a16="http://schemas.microsoft.com/office/drawing/2014/main" id="{439D5BB7-D165-42C9-801D-54AE9403E238}"/>
+              </a:ext>
+            </a:extLst>
+          </p:cNvPr>
+          <p:cNvPicPr>
+            <a:picLocks noChangeAspect="1"/>
+          </p:cNvPicPr>
+          <p:nvPr/>
+        </p:nvPicPr>
+        <p:blipFill rotWithShape="1">
+          <a:blip r:embed="rId3"/>
+          <a:srcRect l="1367"/>
+          <a:stretch/>
+        </p:blipFill>
+        <p:spPr>
+          <a:xfrm>
+            <a:off x="6515100" y="918192"/>
+            <a:ext cx="5157787" cy="4248150"/>
+          </a:xfrm>
+          <a:prstGeom prst="rect">
+            <a:avLst/>
+          </a:prstGeom>
+        </p:spPr>
+      </p:pic>
+      <p:sp>
+        <p:nvSpPr>
+          <p:cNvPr id="9" name="Rektangel 8">
+            <a:extLst>
+              <a:ext uri="{FF2B5EF4-FFF2-40B4-BE49-F238E27FC236}">
+                <a16:creationId xmlns:a16="http://schemas.microsoft.com/office/drawing/2014/main" id="{3CEF8DE3-B240-4828-96CE-E1003C7C0EE9}"/>
+              </a:ext>
+            </a:extLst>
+          </p:cNvPr>
+          <p:cNvSpPr/>
+          <p:nvPr/>
+        </p:nvSpPr>
+        <p:spPr>
+          <a:xfrm>
+            <a:off x="7543801" y="1691658"/>
+            <a:ext cx="1123950" cy="1242042"/>
+          </a:xfrm>
+          <a:prstGeom prst="rect">
+            <a:avLst/>
+          </a:prstGeom>
+          <a:noFill/>
+          <a:ln w="25400">
+            <a:solidFill>
+              <a:srgbClr val="FF0000"/>
+            </a:solidFill>
+          </a:ln>
+        </p:spPr>
+        <p:style>
+          <a:lnRef idx="2">
+            <a:schemeClr val="accent1">
+              <a:shade val="50000"/>
+            </a:schemeClr>
+          </a:lnRef>
+          <a:fillRef idx="1">
+            <a:schemeClr val="accent1"/>
+          </a:fillRef>
+          <a:effectRef idx="0">
+            <a:schemeClr val="accent1"/>
+          </a:effectRef>
+          <a:fontRef idx="minor">
+            <a:schemeClr val="lt1"/>
+          </a:fontRef>
+        </p:style>
+        <p:txBody>
+          <a:bodyPr rtlCol="0" anchor="ctr"/>
+          <a:lstStyle/>
+          <a:p>
+            <a:pPr algn="ctr"/>
+            <a:endParaRPr lang="sv-SE" dirty="0"/>
+          </a:p>
+        </p:txBody>
+      </p:sp>
     </p:spTree>
     <p:extLst>
       <p:ext uri="{BB962C8B-B14F-4D97-AF65-F5344CB8AC3E}">
         <p14:creationId xmlns:p14="http://schemas.microsoft.com/office/powerpoint/2010/main" val="2029734949"/>
+      </p:ext>
+    </p:extLst>
+  </p:cSld>
+  <p:clrMapOvr>
+    <a:masterClrMapping/>
+  </p:clrMapOvr>
+</p:sld>
+</file>
+
+<file path=ppt/slides/slide3.xml><?xml version="1.0" encoding="utf-8"?>
+<p:sld xmlns:a="http://schemas.openxmlformats.org/drawingml/2006/main" xmlns:r="http://schemas.openxmlformats.org/officeDocument/2006/relationships" xmlns:p="http://schemas.openxmlformats.org/presentationml/2006/main">
+  <p:cSld>
+    <p:spTree>
+      <p:nvGrpSpPr>
+        <p:cNvPr id="1" name=""/>
+        <p:cNvGrpSpPr/>
+        <p:nvPr/>
+      </p:nvGrpSpPr>
+      <p:grpSpPr>
+        <a:xfrm>
+          <a:off x="0" y="0"/>
+          <a:ext cx="0" cy="0"/>
+          <a:chOff x="0" y="0"/>
+          <a:chExt cx="0" cy="0"/>
+        </a:xfrm>
+      </p:grpSpPr>
+      <p:pic>
+        <p:nvPicPr>
+          <p:cNvPr id="4" name="Bildobjekt 3">
+            <a:extLst>
+              <a:ext uri="{FF2B5EF4-FFF2-40B4-BE49-F238E27FC236}">
+                <a16:creationId xmlns:a16="http://schemas.microsoft.com/office/drawing/2014/main" id="{88835AAB-B378-4802-94C4-EED018DCCC52}"/>
+              </a:ext>
+            </a:extLst>
+          </p:cNvPr>
+          <p:cNvPicPr>
+            <a:picLocks noChangeAspect="1"/>
+          </p:cNvPicPr>
+          <p:nvPr/>
+        </p:nvPicPr>
+        <p:blipFill>
+          <a:blip r:embed="rId2"/>
+          <a:stretch>
+            <a:fillRect/>
+          </a:stretch>
+        </p:blipFill>
+        <p:spPr>
+          <a:xfrm>
+            <a:off x="4352925" y="1576387"/>
+            <a:ext cx="3486150" cy="3705225"/>
+          </a:xfrm>
+          <a:prstGeom prst="rect">
+            <a:avLst/>
+          </a:prstGeom>
+        </p:spPr>
+      </p:pic>
+    </p:spTree>
+    <p:extLst>
+      <p:ext uri="{BB962C8B-B14F-4D97-AF65-F5344CB8AC3E}">
+        <p14:creationId xmlns:p14="http://schemas.microsoft.com/office/powerpoint/2010/main" val="886781921"/>
       </p:ext>
     </p:extLst>
   </p:cSld>

--- a/blazor/blazor.pptx
+++ b/blazor/blazor.pptx
@@ -8,6 +8,7 @@
     <p:sldId id="256" r:id="rId2"/>
     <p:sldId id="257" r:id="rId3"/>
     <p:sldId id="258" r:id="rId4"/>
+    <p:sldId id="259" r:id="rId5"/>
   </p:sldIdLst>
   <p:sldSz cx="12192000" cy="6858000"/>
   <p:notesSz cx="6858000" cy="9144000"/>
@@ -3967,7 +3968,7 @@
         </p:blipFill>
         <p:spPr>
           <a:xfrm>
-            <a:off x="4352925" y="1576387"/>
+            <a:off x="485775" y="595312"/>
             <a:ext cx="3486150" cy="3705225"/>
           </a:xfrm>
           <a:prstGeom prst="rect">
@@ -3979,6 +3980,252 @@
     <p:extLst>
       <p:ext uri="{BB962C8B-B14F-4D97-AF65-F5344CB8AC3E}">
         <p14:creationId xmlns:p14="http://schemas.microsoft.com/office/powerpoint/2010/main" val="886781921"/>
+      </p:ext>
+    </p:extLst>
+  </p:cSld>
+  <p:clrMapOvr>
+    <a:masterClrMapping/>
+  </p:clrMapOvr>
+</p:sld>
+</file>
+
+<file path=ppt/slides/slide4.xml><?xml version="1.0" encoding="utf-8"?>
+<p:sld xmlns:a="http://schemas.openxmlformats.org/drawingml/2006/main" xmlns:r="http://schemas.openxmlformats.org/officeDocument/2006/relationships" xmlns:p="http://schemas.openxmlformats.org/presentationml/2006/main">
+  <p:cSld>
+    <p:spTree>
+      <p:nvGrpSpPr>
+        <p:cNvPr id="1" name=""/>
+        <p:cNvGrpSpPr/>
+        <p:nvPr/>
+      </p:nvGrpSpPr>
+      <p:grpSpPr>
+        <a:xfrm>
+          <a:off x="0" y="0"/>
+          <a:ext cx="0" cy="0"/>
+          <a:chOff x="0" y="0"/>
+          <a:chExt cx="0" cy="0"/>
+        </a:xfrm>
+      </p:grpSpPr>
+      <p:pic>
+        <p:nvPicPr>
+          <p:cNvPr id="4" name="Bildobjekt 3">
+            <a:extLst>
+              <a:ext uri="{FF2B5EF4-FFF2-40B4-BE49-F238E27FC236}">
+                <a16:creationId xmlns:a16="http://schemas.microsoft.com/office/drawing/2014/main" id="{23F9E76B-9376-4F10-87F4-38D8A43C8E0A}"/>
+              </a:ext>
+            </a:extLst>
+          </p:cNvPr>
+          <p:cNvPicPr>
+            <a:picLocks noChangeAspect="1"/>
+          </p:cNvPicPr>
+          <p:nvPr/>
+        </p:nvPicPr>
+        <p:blipFill>
+          <a:blip r:embed="rId2"/>
+          <a:stretch>
+            <a:fillRect/>
+          </a:stretch>
+        </p:blipFill>
+        <p:spPr>
+          <a:xfrm>
+            <a:off x="738187" y="876300"/>
+            <a:ext cx="3781425" cy="3600450"/>
+          </a:xfrm>
+          <a:prstGeom prst="rect">
+            <a:avLst/>
+          </a:prstGeom>
+        </p:spPr>
+      </p:pic>
+      <p:pic>
+        <p:nvPicPr>
+          <p:cNvPr id="5" name="Bildobjekt 4">
+            <a:extLst>
+              <a:ext uri="{FF2B5EF4-FFF2-40B4-BE49-F238E27FC236}">
+                <a16:creationId xmlns:a16="http://schemas.microsoft.com/office/drawing/2014/main" id="{AB72314D-9571-47F0-AA5D-7954F8C74CBA}"/>
+              </a:ext>
+            </a:extLst>
+          </p:cNvPr>
+          <p:cNvPicPr>
+            <a:picLocks noChangeAspect="1"/>
+          </p:cNvPicPr>
+          <p:nvPr/>
+        </p:nvPicPr>
+        <p:blipFill>
+          <a:blip r:embed="rId3"/>
+          <a:stretch>
+            <a:fillRect/>
+          </a:stretch>
+        </p:blipFill>
+        <p:spPr>
+          <a:xfrm>
+            <a:off x="6100764" y="152400"/>
+            <a:ext cx="4238625" cy="5019675"/>
+          </a:xfrm>
+          <a:prstGeom prst="rect">
+            <a:avLst/>
+          </a:prstGeom>
+        </p:spPr>
+      </p:pic>
+      <p:sp>
+        <p:nvSpPr>
+          <p:cNvPr id="6" name="Rektangel 5">
+            <a:extLst>
+              <a:ext uri="{FF2B5EF4-FFF2-40B4-BE49-F238E27FC236}">
+                <a16:creationId xmlns:a16="http://schemas.microsoft.com/office/drawing/2014/main" id="{64D2D107-2F1A-42C8-97A8-23554EB0DBCC}"/>
+              </a:ext>
+            </a:extLst>
+          </p:cNvPr>
+          <p:cNvSpPr/>
+          <p:nvPr/>
+        </p:nvSpPr>
+        <p:spPr>
+          <a:xfrm>
+            <a:off x="8115301" y="910608"/>
+            <a:ext cx="1123950" cy="1242042"/>
+          </a:xfrm>
+          <a:prstGeom prst="rect">
+            <a:avLst/>
+          </a:prstGeom>
+          <a:noFill/>
+          <a:ln w="25400">
+            <a:solidFill>
+              <a:srgbClr val="FF0000"/>
+            </a:solidFill>
+          </a:ln>
+        </p:spPr>
+        <p:style>
+          <a:lnRef idx="2">
+            <a:schemeClr val="accent1">
+              <a:shade val="50000"/>
+            </a:schemeClr>
+          </a:lnRef>
+          <a:fillRef idx="1">
+            <a:schemeClr val="accent1"/>
+          </a:fillRef>
+          <a:effectRef idx="0">
+            <a:schemeClr val="accent1"/>
+          </a:effectRef>
+          <a:fontRef idx="minor">
+            <a:schemeClr val="lt1"/>
+          </a:fontRef>
+        </p:style>
+        <p:txBody>
+          <a:bodyPr rtlCol="0" anchor="ctr"/>
+          <a:lstStyle/>
+          <a:p>
+            <a:pPr algn="ctr"/>
+            <a:endParaRPr lang="sv-SE" dirty="0"/>
+          </a:p>
+        </p:txBody>
+      </p:sp>
+      <p:sp>
+        <p:nvSpPr>
+          <p:cNvPr id="7" name="Rektangel 6">
+            <a:extLst>
+              <a:ext uri="{FF2B5EF4-FFF2-40B4-BE49-F238E27FC236}">
+                <a16:creationId xmlns:a16="http://schemas.microsoft.com/office/drawing/2014/main" id="{60FE80F4-2DEB-47B2-9C79-2514E2C51F52}"/>
+              </a:ext>
+            </a:extLst>
+          </p:cNvPr>
+          <p:cNvSpPr/>
+          <p:nvPr/>
+        </p:nvSpPr>
+        <p:spPr>
+          <a:xfrm>
+            <a:off x="1000126" y="2301259"/>
+            <a:ext cx="2124074" cy="665780"/>
+          </a:xfrm>
+          <a:prstGeom prst="rect">
+            <a:avLst/>
+          </a:prstGeom>
+          <a:noFill/>
+          <a:ln w="25400">
+            <a:solidFill>
+              <a:srgbClr val="FF0000"/>
+            </a:solidFill>
+          </a:ln>
+        </p:spPr>
+        <p:style>
+          <a:lnRef idx="2">
+            <a:schemeClr val="accent1">
+              <a:shade val="50000"/>
+            </a:schemeClr>
+          </a:lnRef>
+          <a:fillRef idx="1">
+            <a:schemeClr val="accent1"/>
+          </a:fillRef>
+          <a:effectRef idx="0">
+            <a:schemeClr val="accent1"/>
+          </a:effectRef>
+          <a:fontRef idx="minor">
+            <a:schemeClr val="lt1"/>
+          </a:fontRef>
+        </p:style>
+        <p:txBody>
+          <a:bodyPr rtlCol="0" anchor="ctr"/>
+          <a:lstStyle/>
+          <a:p>
+            <a:pPr algn="ctr"/>
+            <a:endParaRPr lang="sv-SE" dirty="0"/>
+          </a:p>
+        </p:txBody>
+      </p:sp>
+      <p:sp>
+        <p:nvSpPr>
+          <p:cNvPr id="8" name="Rektangel 7">
+            <a:extLst>
+              <a:ext uri="{FF2B5EF4-FFF2-40B4-BE49-F238E27FC236}">
+                <a16:creationId xmlns:a16="http://schemas.microsoft.com/office/drawing/2014/main" id="{B825DABB-551A-4DEE-9E99-34EDF55A1DCC}"/>
+              </a:ext>
+            </a:extLst>
+          </p:cNvPr>
+          <p:cNvSpPr/>
+          <p:nvPr/>
+        </p:nvSpPr>
+        <p:spPr>
+          <a:xfrm>
+            <a:off x="1000126" y="2982296"/>
+            <a:ext cx="2124074" cy="446704"/>
+          </a:xfrm>
+          <a:prstGeom prst="rect">
+            <a:avLst/>
+          </a:prstGeom>
+          <a:noFill/>
+          <a:ln w="25400">
+            <a:solidFill>
+              <a:srgbClr val="FF0000"/>
+            </a:solidFill>
+          </a:ln>
+        </p:spPr>
+        <p:style>
+          <a:lnRef idx="2">
+            <a:schemeClr val="accent1">
+              <a:shade val="50000"/>
+            </a:schemeClr>
+          </a:lnRef>
+          <a:fillRef idx="1">
+            <a:schemeClr val="accent1"/>
+          </a:fillRef>
+          <a:effectRef idx="0">
+            <a:schemeClr val="accent1"/>
+          </a:effectRef>
+          <a:fontRef idx="minor">
+            <a:schemeClr val="lt1"/>
+          </a:fontRef>
+        </p:style>
+        <p:txBody>
+          <a:bodyPr rtlCol="0" anchor="ctr"/>
+          <a:lstStyle/>
+          <a:p>
+            <a:pPr algn="ctr"/>
+            <a:endParaRPr lang="sv-SE" dirty="0"/>
+          </a:p>
+        </p:txBody>
+      </p:sp>
+    </p:spTree>
+    <p:extLst>
+      <p:ext uri="{BB962C8B-B14F-4D97-AF65-F5344CB8AC3E}">
+        <p14:creationId xmlns:p14="http://schemas.microsoft.com/office/powerpoint/2010/main" val="474986462"/>
       </p:ext>
     </p:extLst>
   </p:cSld>

--- a/blazor/blazor.pptx
+++ b/blazor/blazor.pptx
@@ -9,6 +9,7 @@
     <p:sldId id="257" r:id="rId3"/>
     <p:sldId id="258" r:id="rId4"/>
     <p:sldId id="259" r:id="rId5"/>
+    <p:sldId id="260" r:id="rId6"/>
   </p:sldIdLst>
   <p:sldSz cx="12192000" cy="6858000"/>
   <p:notesSz cx="6858000" cy="9144000"/>
@@ -4235,6 +4236,66 @@
 </p:sld>
 </file>
 
+<file path=ppt/slides/slide5.xml><?xml version="1.0" encoding="utf-8"?>
+<p:sld xmlns:a="http://schemas.openxmlformats.org/drawingml/2006/main" xmlns:r="http://schemas.openxmlformats.org/officeDocument/2006/relationships" xmlns:p="http://schemas.openxmlformats.org/presentationml/2006/main">
+  <p:cSld>
+    <p:spTree>
+      <p:nvGrpSpPr>
+        <p:cNvPr id="1" name=""/>
+        <p:cNvGrpSpPr/>
+        <p:nvPr/>
+      </p:nvGrpSpPr>
+      <p:grpSpPr>
+        <a:xfrm>
+          <a:off x="0" y="0"/>
+          <a:ext cx="0" cy="0"/>
+          <a:chOff x="0" y="0"/>
+          <a:chExt cx="0" cy="0"/>
+        </a:xfrm>
+      </p:grpSpPr>
+      <p:pic>
+        <p:nvPicPr>
+          <p:cNvPr id="4" name="Bildobjekt 3">
+            <a:extLst>
+              <a:ext uri="{FF2B5EF4-FFF2-40B4-BE49-F238E27FC236}">
+                <a16:creationId xmlns:a16="http://schemas.microsoft.com/office/drawing/2014/main" id="{0E908FB3-405D-47DC-BE5C-EF0DC5062E58}"/>
+              </a:ext>
+            </a:extLst>
+          </p:cNvPr>
+          <p:cNvPicPr>
+            <a:picLocks noChangeAspect="1"/>
+          </p:cNvPicPr>
+          <p:nvPr/>
+        </p:nvPicPr>
+        <p:blipFill>
+          <a:blip r:embed="rId2"/>
+          <a:stretch>
+            <a:fillRect/>
+          </a:stretch>
+        </p:blipFill>
+        <p:spPr>
+          <a:xfrm>
+            <a:off x="2481262" y="647700"/>
+            <a:ext cx="7229475" cy="5562600"/>
+          </a:xfrm>
+          <a:prstGeom prst="rect">
+            <a:avLst/>
+          </a:prstGeom>
+        </p:spPr>
+      </p:pic>
+    </p:spTree>
+    <p:extLst>
+      <p:ext uri="{BB962C8B-B14F-4D97-AF65-F5344CB8AC3E}">
+        <p14:creationId xmlns:p14="http://schemas.microsoft.com/office/powerpoint/2010/main" val="2191482227"/>
+      </p:ext>
+    </p:extLst>
+  </p:cSld>
+  <p:clrMapOvr>
+    <a:masterClrMapping/>
+  </p:clrMapOvr>
+</p:sld>
+</file>
+
 <file path=ppt/theme/theme1.xml><?xml version="1.0" encoding="utf-8"?>
 <a:theme xmlns:a="http://schemas.openxmlformats.org/drawingml/2006/main" name="Office-tema">
   <a:themeElements>

--- a/blazor/blazor.pptx
+++ b/blazor/blazor.pptx
@@ -10,6 +10,7 @@
     <p:sldId id="258" r:id="rId4"/>
     <p:sldId id="259" r:id="rId5"/>
     <p:sldId id="260" r:id="rId6"/>
+    <p:sldId id="261" r:id="rId7"/>
   </p:sldIdLst>
   <p:sldSz cx="12192000" cy="6858000"/>
   <p:notesSz cx="6858000" cy="9144000"/>
@@ -4296,6 +4297,66 @@
 </p:sld>
 </file>
 
+<file path=ppt/slides/slide6.xml><?xml version="1.0" encoding="utf-8"?>
+<p:sld xmlns:a="http://schemas.openxmlformats.org/drawingml/2006/main" xmlns:r="http://schemas.openxmlformats.org/officeDocument/2006/relationships" xmlns:p="http://schemas.openxmlformats.org/presentationml/2006/main">
+  <p:cSld>
+    <p:spTree>
+      <p:nvGrpSpPr>
+        <p:cNvPr id="1" name=""/>
+        <p:cNvGrpSpPr/>
+        <p:nvPr/>
+      </p:nvGrpSpPr>
+      <p:grpSpPr>
+        <a:xfrm>
+          <a:off x="0" y="0"/>
+          <a:ext cx="0" cy="0"/>
+          <a:chOff x="0" y="0"/>
+          <a:chExt cx="0" cy="0"/>
+        </a:xfrm>
+      </p:grpSpPr>
+      <p:pic>
+        <p:nvPicPr>
+          <p:cNvPr id="4" name="Bildobjekt 3">
+            <a:extLst>
+              <a:ext uri="{FF2B5EF4-FFF2-40B4-BE49-F238E27FC236}">
+                <a16:creationId xmlns:a16="http://schemas.microsoft.com/office/drawing/2014/main" id="{E813333A-5E6A-410F-9DD6-531F9E5182C2}"/>
+              </a:ext>
+            </a:extLst>
+          </p:cNvPr>
+          <p:cNvPicPr>
+            <a:picLocks noChangeAspect="1"/>
+          </p:cNvPicPr>
+          <p:nvPr/>
+        </p:nvPicPr>
+        <p:blipFill>
+          <a:blip r:embed="rId2"/>
+          <a:stretch>
+            <a:fillRect/>
+          </a:stretch>
+        </p:blipFill>
+        <p:spPr>
+          <a:xfrm>
+            <a:off x="3338512" y="1019175"/>
+            <a:ext cx="5514975" cy="4819650"/>
+          </a:xfrm>
+          <a:prstGeom prst="rect">
+            <a:avLst/>
+          </a:prstGeom>
+        </p:spPr>
+      </p:pic>
+    </p:spTree>
+    <p:extLst>
+      <p:ext uri="{BB962C8B-B14F-4D97-AF65-F5344CB8AC3E}">
+        <p14:creationId xmlns:p14="http://schemas.microsoft.com/office/powerpoint/2010/main" val="3864895371"/>
+      </p:ext>
+    </p:extLst>
+  </p:cSld>
+  <p:clrMapOvr>
+    <a:masterClrMapping/>
+  </p:clrMapOvr>
+</p:sld>
+</file>
+
 <file path=ppt/theme/theme1.xml><?xml version="1.0" encoding="utf-8"?>
 <a:theme xmlns:a="http://schemas.openxmlformats.org/drawingml/2006/main" name="Office-tema">
   <a:themeElements>

--- a/blazor/blazor.pptx
+++ b/blazor/blazor.pptx
@@ -3510,7 +3510,7 @@
                 <a:lumOff val="25000"/>
               </a:schemeClr>
             </a:solidFill>
-            <a:headEnd type="triangle" w="lg" len="lg"/>
+            <a:headEnd type="none" w="lg" len="lg"/>
             <a:tailEnd type="triangle" w="lg" len="lg"/>
           </a:ln>
         </p:spPr>
@@ -3529,150 +3529,42 @@
           </a:fontRef>
         </p:style>
       </p:cxnSp>
-      <p:cxnSp>
-        <p:nvCxnSpPr>
-          <p:cNvPr id="11" name="Rak pilkoppling 10">
-            <a:extLst>
-              <a:ext uri="{FF2B5EF4-FFF2-40B4-BE49-F238E27FC236}">
-                <a16:creationId xmlns:a16="http://schemas.microsoft.com/office/drawing/2014/main" id="{BAC3903D-4197-49A7-9BE2-86D6FB78B739}"/>
-              </a:ext>
-            </a:extLst>
-          </p:cNvPr>
-          <p:cNvCxnSpPr>
-            <a:cxnSpLocks/>
-          </p:cNvCxnSpPr>
+      <p:sp>
+        <p:nvSpPr>
+          <p:cNvPr id="2" name="textruta 1">
+            <a:extLst>
+              <a:ext uri="{FF2B5EF4-FFF2-40B4-BE49-F238E27FC236}">
+                <a16:creationId xmlns:a16="http://schemas.microsoft.com/office/drawing/2014/main" id="{96539FC8-1791-4B9E-9335-66B7D8BB2FB6}"/>
+              </a:ext>
+            </a:extLst>
+          </p:cNvPr>
+          <p:cNvSpPr txBox="1"/>
           <p:nvPr/>
-        </p:nvCxnSpPr>
+        </p:nvSpPr>
         <p:spPr>
           <a:xfrm>
-            <a:off x="4412201" y="2693540"/>
-            <a:ext cx="2325950" cy="0"/>
+            <a:off x="5026019" y="2086083"/>
+            <a:ext cx="1098314" cy="369332"/>
           </a:xfrm>
-          <a:prstGeom prst="straightConnector1">
+          <a:prstGeom prst="rect">
             <a:avLst/>
           </a:prstGeom>
-          <a:ln w="25400">
-            <a:solidFill>
-              <a:schemeClr val="tx1">
-                <a:lumMod val="75000"/>
-                <a:lumOff val="25000"/>
-              </a:schemeClr>
-            </a:solidFill>
-            <a:headEnd type="triangle" w="lg" len="lg"/>
-            <a:tailEnd type="triangle" w="lg" len="lg"/>
-          </a:ln>
+          <a:noFill/>
         </p:spPr>
-        <p:style>
-          <a:lnRef idx="1">
-            <a:schemeClr val="accent1"/>
-          </a:lnRef>
-          <a:fillRef idx="0">
-            <a:schemeClr val="accent1"/>
-          </a:fillRef>
-          <a:effectRef idx="0">
-            <a:schemeClr val="accent1"/>
-          </a:effectRef>
-          <a:fontRef idx="minor">
-            <a:schemeClr val="tx1"/>
-          </a:fontRef>
-        </p:style>
-      </p:cxnSp>
-      <p:cxnSp>
-        <p:nvCxnSpPr>
-          <p:cNvPr id="12" name="Rak pilkoppling 11">
-            <a:extLst>
-              <a:ext uri="{FF2B5EF4-FFF2-40B4-BE49-F238E27FC236}">
-                <a16:creationId xmlns:a16="http://schemas.microsoft.com/office/drawing/2014/main" id="{08BECCAB-F199-4AB6-ABDC-ACE44E497B3C}"/>
-              </a:ext>
-            </a:extLst>
-          </p:cNvPr>
-          <p:cNvCxnSpPr>
-            <a:cxnSpLocks/>
-          </p:cNvCxnSpPr>
-          <p:nvPr/>
-        </p:nvCxnSpPr>
-        <p:spPr>
-          <a:xfrm>
-            <a:off x="4412201" y="2922140"/>
-            <a:ext cx="2325950" cy="0"/>
-          </a:xfrm>
-          <a:prstGeom prst="straightConnector1">
-            <a:avLst/>
-          </a:prstGeom>
-          <a:ln w="25400">
-            <a:solidFill>
-              <a:schemeClr val="tx1">
-                <a:lumMod val="75000"/>
-                <a:lumOff val="25000"/>
-              </a:schemeClr>
-            </a:solidFill>
-            <a:headEnd type="triangle" w="lg" len="lg"/>
-            <a:tailEnd type="triangle" w="lg" len="lg"/>
-          </a:ln>
-        </p:spPr>
-        <p:style>
-          <a:lnRef idx="1">
-            <a:schemeClr val="accent1"/>
-          </a:lnRef>
-          <a:fillRef idx="0">
-            <a:schemeClr val="accent1"/>
-          </a:fillRef>
-          <a:effectRef idx="0">
-            <a:schemeClr val="accent1"/>
-          </a:effectRef>
-          <a:fontRef idx="minor">
-            <a:schemeClr val="tx1"/>
-          </a:fontRef>
-        </p:style>
-      </p:cxnSp>
-      <p:cxnSp>
-        <p:nvCxnSpPr>
-          <p:cNvPr id="13" name="Rak pilkoppling 12">
-            <a:extLst>
-              <a:ext uri="{FF2B5EF4-FFF2-40B4-BE49-F238E27FC236}">
-                <a16:creationId xmlns:a16="http://schemas.microsoft.com/office/drawing/2014/main" id="{CD5C6568-E65F-4B75-8112-8FBF315A9943}"/>
-              </a:ext>
-            </a:extLst>
-          </p:cNvPr>
-          <p:cNvCxnSpPr>
-            <a:cxnSpLocks/>
-          </p:cNvCxnSpPr>
-          <p:nvPr/>
-        </p:nvCxnSpPr>
-        <p:spPr>
-          <a:xfrm>
-            <a:off x="4412201" y="3160265"/>
-            <a:ext cx="2325950" cy="0"/>
-          </a:xfrm>
-          <a:prstGeom prst="straightConnector1">
-            <a:avLst/>
-          </a:prstGeom>
-          <a:ln w="25400">
-            <a:solidFill>
-              <a:schemeClr val="tx1">
-                <a:lumMod val="75000"/>
-                <a:lumOff val="25000"/>
-              </a:schemeClr>
-            </a:solidFill>
-            <a:headEnd type="triangle" w="lg" len="lg"/>
-            <a:tailEnd type="triangle" w="lg" len="lg"/>
-          </a:ln>
-        </p:spPr>
-        <p:style>
-          <a:lnRef idx="1">
-            <a:schemeClr val="accent1"/>
-          </a:lnRef>
-          <a:fillRef idx="0">
-            <a:schemeClr val="accent1"/>
-          </a:fillRef>
-          <a:effectRef idx="0">
-            <a:schemeClr val="accent1"/>
-          </a:effectRef>
-          <a:fontRef idx="minor">
-            <a:schemeClr val="tx1"/>
-          </a:fontRef>
-        </p:style>
-      </p:cxnSp>
+        <p:txBody>
+          <a:bodyPr wrap="none" rtlCol="0">
+            <a:spAutoFit/>
+          </a:bodyPr>
+          <a:lstStyle/>
+          <a:p>
+            <a:r>
+              <a:rPr lang="en-US" dirty="0"/>
+              <a:t>HTTP GET</a:t>
+            </a:r>
+            <a:endParaRPr lang="sv-SE" dirty="0"/>
+          </a:p>
+        </p:txBody>
+      </p:sp>
     </p:spTree>
     <p:extLst>
       <p:ext uri="{BB962C8B-B14F-4D97-AF65-F5344CB8AC3E}">

--- a/blazor/blazor.pptx
+++ b/blazor/blazor.pptx
@@ -11,6 +11,7 @@
     <p:sldId id="259" r:id="rId5"/>
     <p:sldId id="260" r:id="rId6"/>
     <p:sldId id="261" r:id="rId7"/>
+    <p:sldId id="262" r:id="rId8"/>
   </p:sldIdLst>
   <p:sldSz cx="12192000" cy="6858000"/>
   <p:notesSz cx="6858000" cy="9144000"/>
@@ -264,7 +265,7 @@
           <a:p>
             <a:fld id="{C5F6FA12-2612-4D9F-A8E8-572D6876333B}" type="datetimeFigureOut">
               <a:rPr lang="sv-SE" smtClean="0"/>
-              <a:t>2018-11-15</a:t>
+              <a:t>2018-11-16</a:t>
             </a:fld>
             <a:endParaRPr lang="sv-SE"/>
           </a:p>
@@ -462,7 +463,7 @@
           <a:p>
             <a:fld id="{C5F6FA12-2612-4D9F-A8E8-572D6876333B}" type="datetimeFigureOut">
               <a:rPr lang="sv-SE" smtClean="0"/>
-              <a:t>2018-11-15</a:t>
+              <a:t>2018-11-16</a:t>
             </a:fld>
             <a:endParaRPr lang="sv-SE"/>
           </a:p>
@@ -670,7 +671,7 @@
           <a:p>
             <a:fld id="{C5F6FA12-2612-4D9F-A8E8-572D6876333B}" type="datetimeFigureOut">
               <a:rPr lang="sv-SE" smtClean="0"/>
-              <a:t>2018-11-15</a:t>
+              <a:t>2018-11-16</a:t>
             </a:fld>
             <a:endParaRPr lang="sv-SE"/>
           </a:p>
@@ -868,7 +869,7 @@
           <a:p>
             <a:fld id="{C5F6FA12-2612-4D9F-A8E8-572D6876333B}" type="datetimeFigureOut">
               <a:rPr lang="sv-SE" smtClean="0"/>
-              <a:t>2018-11-15</a:t>
+              <a:t>2018-11-16</a:t>
             </a:fld>
             <a:endParaRPr lang="sv-SE"/>
           </a:p>
@@ -1143,7 +1144,7 @@
           <a:p>
             <a:fld id="{C5F6FA12-2612-4D9F-A8E8-572D6876333B}" type="datetimeFigureOut">
               <a:rPr lang="sv-SE" smtClean="0"/>
-              <a:t>2018-11-15</a:t>
+              <a:t>2018-11-16</a:t>
             </a:fld>
             <a:endParaRPr lang="sv-SE"/>
           </a:p>
@@ -1408,7 +1409,7 @@
           <a:p>
             <a:fld id="{C5F6FA12-2612-4D9F-A8E8-572D6876333B}" type="datetimeFigureOut">
               <a:rPr lang="sv-SE" smtClean="0"/>
-              <a:t>2018-11-15</a:t>
+              <a:t>2018-11-16</a:t>
             </a:fld>
             <a:endParaRPr lang="sv-SE"/>
           </a:p>
@@ -1820,7 +1821,7 @@
           <a:p>
             <a:fld id="{C5F6FA12-2612-4D9F-A8E8-572D6876333B}" type="datetimeFigureOut">
               <a:rPr lang="sv-SE" smtClean="0"/>
-              <a:t>2018-11-15</a:t>
+              <a:t>2018-11-16</a:t>
             </a:fld>
             <a:endParaRPr lang="sv-SE"/>
           </a:p>
@@ -1961,7 +1962,7 @@
           <a:p>
             <a:fld id="{C5F6FA12-2612-4D9F-A8E8-572D6876333B}" type="datetimeFigureOut">
               <a:rPr lang="sv-SE" smtClean="0"/>
-              <a:t>2018-11-15</a:t>
+              <a:t>2018-11-16</a:t>
             </a:fld>
             <a:endParaRPr lang="sv-SE"/>
           </a:p>
@@ -2074,7 +2075,7 @@
           <a:p>
             <a:fld id="{C5F6FA12-2612-4D9F-A8E8-572D6876333B}" type="datetimeFigureOut">
               <a:rPr lang="sv-SE" smtClean="0"/>
-              <a:t>2018-11-15</a:t>
+              <a:t>2018-11-16</a:t>
             </a:fld>
             <a:endParaRPr lang="sv-SE"/>
           </a:p>
@@ -2385,7 +2386,7 @@
           <a:p>
             <a:fld id="{C5F6FA12-2612-4D9F-A8E8-572D6876333B}" type="datetimeFigureOut">
               <a:rPr lang="sv-SE" smtClean="0"/>
-              <a:t>2018-11-15</a:t>
+              <a:t>2018-11-16</a:t>
             </a:fld>
             <a:endParaRPr lang="sv-SE"/>
           </a:p>
@@ -2673,7 +2674,7 @@
           <a:p>
             <a:fld id="{C5F6FA12-2612-4D9F-A8E8-572D6876333B}" type="datetimeFigureOut">
               <a:rPr lang="sv-SE" smtClean="0"/>
-              <a:t>2018-11-15</a:t>
+              <a:t>2018-11-16</a:t>
             </a:fld>
             <a:endParaRPr lang="sv-SE"/>
           </a:p>
@@ -2914,7 +2915,7 @@
           <a:p>
             <a:fld id="{C5F6FA12-2612-4D9F-A8E8-572D6876333B}" type="datetimeFigureOut">
               <a:rPr lang="sv-SE" smtClean="0"/>
-              <a:t>2018-11-15</a:t>
+              <a:t>2018-11-16</a:t>
             </a:fld>
             <a:endParaRPr lang="sv-SE"/>
           </a:p>
@@ -4228,7 +4229,7 @@
         </p:blipFill>
         <p:spPr>
           <a:xfrm>
-            <a:off x="3338512" y="1019175"/>
+            <a:off x="373370" y="308962"/>
             <a:ext cx="5514975" cy="4819650"/>
           </a:xfrm>
           <a:prstGeom prst="rect">
@@ -4236,10 +4237,172 @@
           </a:prstGeom>
         </p:spPr>
       </p:pic>
+      <p:pic>
+        <p:nvPicPr>
+          <p:cNvPr id="1026" name="Picture 2" descr="Bildresultat fÃ¶r c#">
+            <a:extLst>
+              <a:ext uri="{FF2B5EF4-FFF2-40B4-BE49-F238E27FC236}">
+                <a16:creationId xmlns:a16="http://schemas.microsoft.com/office/drawing/2014/main" id="{E9F6BFE1-CA36-4A23-B234-67F4D1C3A9AB}"/>
+              </a:ext>
+            </a:extLst>
+          </p:cNvPr>
+          <p:cNvPicPr>
+            <a:picLocks noChangeAspect="1" noChangeArrowheads="1"/>
+          </p:cNvPicPr>
+          <p:nvPr/>
+        </p:nvPicPr>
+        <p:blipFill rotWithShape="1">
+          <a:blip r:embed="rId3">
+            <a:extLst>
+              <a:ext uri="{28A0092B-C50C-407E-A947-70E740481C1C}">
+                <a14:useLocalDpi xmlns:a14="http://schemas.microsoft.com/office/drawing/2010/main" val="0"/>
+              </a:ext>
+            </a:extLst>
+          </a:blip>
+          <a:srcRect l="17161" t="16101" r="18988" b="16234"/>
+          <a:stretch/>
+        </p:blipFill>
+        <p:spPr bwMode="auto">
+          <a:xfrm>
+            <a:off x="8771138" y="967666"/>
+            <a:ext cx="1873188" cy="1985084"/>
+          </a:xfrm>
+          <a:prstGeom prst="rect">
+            <a:avLst/>
+          </a:prstGeom>
+          <a:noFill/>
+          <a:effectLst>
+            <a:outerShdw blurRad="1270000" dist="50800" dir="5400000" algn="ctr" rotWithShape="0">
+              <a:srgbClr val="000000">
+                <a:alpha val="43137"/>
+              </a:srgbClr>
+            </a:outerShdw>
+          </a:effectLst>
+          <a:extLst>
+            <a:ext uri="{909E8E84-426E-40DD-AFC4-6F175D3DCCD1}">
+              <a14:hiddenFill xmlns:a14="http://schemas.microsoft.com/office/drawing/2010/main">
+                <a:solidFill>
+                  <a:srgbClr val="FFFFFF"/>
+                </a:solidFill>
+              </a14:hiddenFill>
+            </a:ext>
+          </a:extLst>
+        </p:spPr>
+      </p:pic>
     </p:spTree>
     <p:extLst>
       <p:ext uri="{BB962C8B-B14F-4D97-AF65-F5344CB8AC3E}">
         <p14:creationId xmlns:p14="http://schemas.microsoft.com/office/powerpoint/2010/main" val="3864895371"/>
+      </p:ext>
+    </p:extLst>
+  </p:cSld>
+  <p:clrMapOvr>
+    <a:masterClrMapping/>
+  </p:clrMapOvr>
+</p:sld>
+</file>
+
+<file path=ppt/slides/slide7.xml><?xml version="1.0" encoding="utf-8"?>
+<p:sld xmlns:a="http://schemas.openxmlformats.org/drawingml/2006/main" xmlns:r="http://schemas.openxmlformats.org/officeDocument/2006/relationships" xmlns:p="http://schemas.openxmlformats.org/presentationml/2006/main">
+  <p:cSld>
+    <p:spTree>
+      <p:nvGrpSpPr>
+        <p:cNvPr id="1" name=""/>
+        <p:cNvGrpSpPr/>
+        <p:nvPr/>
+      </p:nvGrpSpPr>
+      <p:grpSpPr>
+        <a:xfrm>
+          <a:off x="0" y="0"/>
+          <a:ext cx="0" cy="0"/>
+          <a:chOff x="0" y="0"/>
+          <a:chExt cx="0" cy="0"/>
+        </a:xfrm>
+      </p:grpSpPr>
+      <p:pic>
+        <p:nvPicPr>
+          <p:cNvPr id="6" name="Bildobjekt 5">
+            <a:extLst>
+              <a:ext uri="{FF2B5EF4-FFF2-40B4-BE49-F238E27FC236}">
+                <a16:creationId xmlns:a16="http://schemas.microsoft.com/office/drawing/2014/main" id="{B9E5B7D3-A7B6-4711-9287-A3F51F31C974}"/>
+              </a:ext>
+            </a:extLst>
+          </p:cNvPr>
+          <p:cNvPicPr>
+            <a:picLocks noChangeAspect="1"/>
+          </p:cNvPicPr>
+          <p:nvPr/>
+        </p:nvPicPr>
+        <p:blipFill>
+          <a:blip r:embed="rId2"/>
+          <a:stretch>
+            <a:fillRect/>
+          </a:stretch>
+        </p:blipFill>
+        <p:spPr>
+          <a:xfrm>
+            <a:off x="818692" y="2064902"/>
+            <a:ext cx="10554615" cy="2728196"/>
+          </a:xfrm>
+          <a:prstGeom prst="rect">
+            <a:avLst/>
+          </a:prstGeom>
+        </p:spPr>
+      </p:pic>
+      <p:pic>
+        <p:nvPicPr>
+          <p:cNvPr id="5" name="Picture 2" descr="Bildresultat fÃ¶r c#">
+            <a:extLst>
+              <a:ext uri="{FF2B5EF4-FFF2-40B4-BE49-F238E27FC236}">
+                <a16:creationId xmlns:a16="http://schemas.microsoft.com/office/drawing/2014/main" id="{D14C8B5D-AD28-4319-938D-B65226407232}"/>
+              </a:ext>
+            </a:extLst>
+          </p:cNvPr>
+          <p:cNvPicPr>
+            <a:picLocks noChangeAspect="1" noChangeArrowheads="1"/>
+          </p:cNvPicPr>
+          <p:nvPr/>
+        </p:nvPicPr>
+        <p:blipFill rotWithShape="1">
+          <a:blip r:embed="rId3">
+            <a:extLst>
+              <a:ext uri="{28A0092B-C50C-407E-A947-70E740481C1C}">
+                <a14:useLocalDpi xmlns:a14="http://schemas.microsoft.com/office/drawing/2010/main" val="0"/>
+              </a:ext>
+            </a:extLst>
+          </a:blip>
+          <a:srcRect l="17161" t="16101" r="18988" b="16234"/>
+          <a:stretch/>
+        </p:blipFill>
+        <p:spPr bwMode="auto">
+          <a:xfrm>
+            <a:off x="5543905" y="3429000"/>
+            <a:ext cx="1104187" cy="1170146"/>
+          </a:xfrm>
+          <a:prstGeom prst="rect">
+            <a:avLst/>
+          </a:prstGeom>
+          <a:noFill/>
+          <a:effectLst>
+            <a:outerShdw blurRad="1270000" dist="50800" dir="5400000" algn="ctr" rotWithShape="0">
+              <a:srgbClr val="000000"/>
+            </a:outerShdw>
+          </a:effectLst>
+          <a:extLst>
+            <a:ext uri="{909E8E84-426E-40DD-AFC4-6F175D3DCCD1}">
+              <a14:hiddenFill xmlns:a14="http://schemas.microsoft.com/office/drawing/2010/main">
+                <a:solidFill>
+                  <a:srgbClr val="FFFFFF"/>
+                </a:solidFill>
+              </a14:hiddenFill>
+            </a:ext>
+          </a:extLst>
+        </p:spPr>
+      </p:pic>
+    </p:spTree>
+    <p:extLst>
+      <p:ext uri="{BB962C8B-B14F-4D97-AF65-F5344CB8AC3E}">
+        <p14:creationId xmlns:p14="http://schemas.microsoft.com/office/powerpoint/2010/main" val="3585803287"/>
       </p:ext>
     </p:extLst>
   </p:cSld>
